--- a/RelatorioFinal/imagens.pptx
+++ b/RelatorioFinal/imagens.pptx
@@ -6,6 +6,11 @@
   </p:sldMasterIdLst>
   <p:sldIdLst>
     <p:sldId id="256" r:id="rId2"/>
+    <p:sldId id="257" r:id="rId3"/>
+    <p:sldId id="258" r:id="rId4"/>
+    <p:sldId id="259" r:id="rId5"/>
+    <p:sldId id="260" r:id="rId6"/>
+    <p:sldId id="261" r:id="rId7"/>
   </p:sldIdLst>
   <p:sldSz cx="12192000" cy="6858000"/>
   <p:notesSz cx="6858000" cy="9144000"/>
@@ -104,6 +109,11 @@
       </a:defRPr>
     </a:lvl9pPr>
   </p:defaultTextStyle>
+  <p:extLst>
+    <p:ext uri="{EFAFB233-063F-42B5-8137-9DF3F51BA10A}">
+      <p15:sldGuideLst xmlns:p15="http://schemas.microsoft.com/office/powerpoint/2012/main"/>
+    </p:ext>
+  </p:extLst>
 </p:presentation>
 </file>
 
@@ -152,7 +162,6 @@
               <a:rPr lang="pt-BR"/>
               <a:t>Clique para editar o título mestre</a:t>
             </a:r>
-            <a:endParaRPr lang="pt-BR"/>
           </a:p>
         </p:txBody>
       </p:sp>
@@ -217,7 +226,6 @@
               <a:rPr lang="pt-BR"/>
               <a:t>Clique para editar o estilo do subtítulo Mestre</a:t>
             </a:r>
-            <a:endParaRPr lang="pt-BR"/>
           </a:p>
         </p:txBody>
       </p:sp>
@@ -335,7 +343,6 @@
               <a:rPr lang="pt-BR"/>
               <a:t>Clique para editar o título mestre</a:t>
             </a:r>
-            <a:endParaRPr lang="pt-BR"/>
           </a:p>
         </p:txBody>
       </p:sp>
@@ -387,7 +394,6 @@
               <a:rPr lang="pt-BR"/>
               <a:t>Quinto nível</a:t>
             </a:r>
-            <a:endParaRPr lang="pt-BR"/>
           </a:p>
         </p:txBody>
       </p:sp>
@@ -510,7 +516,6 @@
               <a:rPr lang="pt-BR"/>
               <a:t>Clique para editar o título mestre</a:t>
             </a:r>
-            <a:endParaRPr lang="pt-BR"/>
           </a:p>
         </p:txBody>
       </p:sp>
@@ -567,7 +572,6 @@
               <a:rPr lang="pt-BR"/>
               <a:t>Quinto nível</a:t>
             </a:r>
-            <a:endParaRPr lang="pt-BR"/>
           </a:p>
         </p:txBody>
       </p:sp>
@@ -685,7 +689,6 @@
               <a:rPr lang="pt-BR"/>
               <a:t>Clique para editar o título mestre</a:t>
             </a:r>
-            <a:endParaRPr lang="pt-BR"/>
           </a:p>
         </p:txBody>
       </p:sp>
@@ -737,7 +740,6 @@
               <a:rPr lang="pt-BR"/>
               <a:t>Quinto nível</a:t>
             </a:r>
-            <a:endParaRPr lang="pt-BR"/>
           </a:p>
         </p:txBody>
       </p:sp>
@@ -864,7 +866,6 @@
               <a:rPr lang="pt-BR"/>
               <a:t>Clique para editar o título mestre</a:t>
             </a:r>
-            <a:endParaRPr lang="pt-BR"/>
           </a:p>
         </p:txBody>
       </p:sp>
@@ -1101,7 +1102,6 @@
               <a:rPr lang="pt-BR"/>
               <a:t>Clique para editar o título mestre</a:t>
             </a:r>
-            <a:endParaRPr lang="pt-BR"/>
           </a:p>
         </p:txBody>
       </p:sp>
@@ -1158,7 +1158,6 @@
               <a:rPr lang="pt-BR"/>
               <a:t>Quinto nível</a:t>
             </a:r>
-            <a:endParaRPr lang="pt-BR"/>
           </a:p>
         </p:txBody>
       </p:sp>
@@ -1215,7 +1214,6 @@
               <a:rPr lang="pt-BR"/>
               <a:t>Quinto nível</a:t>
             </a:r>
-            <a:endParaRPr lang="pt-BR"/>
           </a:p>
         </p:txBody>
       </p:sp>
@@ -1338,7 +1336,6 @@
               <a:rPr lang="pt-BR"/>
               <a:t>Clique para editar o título mestre</a:t>
             </a:r>
-            <a:endParaRPr lang="pt-BR"/>
           </a:p>
         </p:txBody>
       </p:sp>
@@ -1460,7 +1457,6 @@
               <a:rPr lang="pt-BR"/>
               <a:t>Quinto nível</a:t>
             </a:r>
-            <a:endParaRPr lang="pt-BR"/>
           </a:p>
         </p:txBody>
       </p:sp>
@@ -1582,7 +1578,6 @@
               <a:rPr lang="pt-BR"/>
               <a:t>Quinto nível</a:t>
             </a:r>
-            <a:endParaRPr lang="pt-BR"/>
           </a:p>
         </p:txBody>
       </p:sp>
@@ -1700,7 +1695,6 @@
               <a:rPr lang="pt-BR"/>
               <a:t>Clique para editar o título mestre</a:t>
             </a:r>
-            <a:endParaRPr lang="pt-BR"/>
           </a:p>
         </p:txBody>
       </p:sp>
@@ -1922,7 +1916,6 @@
               <a:rPr lang="pt-BR"/>
               <a:t>Clique para editar o título mestre</a:t>
             </a:r>
-            <a:endParaRPr lang="pt-BR"/>
           </a:p>
         </p:txBody>
       </p:sp>
@@ -2007,7 +2000,6 @@
               <a:rPr lang="pt-BR"/>
               <a:t>Quinto nível</a:t>
             </a:r>
-            <a:endParaRPr lang="pt-BR"/>
           </a:p>
         </p:txBody>
       </p:sp>
@@ -2199,7 +2191,6 @@
               <a:rPr lang="pt-BR"/>
               <a:t>Clique para editar o título mestre</a:t>
             </a:r>
-            <a:endParaRPr lang="pt-BR"/>
           </a:p>
         </p:txBody>
       </p:sp>
@@ -2458,7 +2449,6 @@
               <a:rPr lang="pt-BR"/>
               <a:t>Clique para editar o título mestre</a:t>
             </a:r>
-            <a:endParaRPr lang="pt-BR"/>
           </a:p>
         </p:txBody>
       </p:sp>
@@ -2520,7 +2510,6 @@
               <a:rPr lang="pt-BR"/>
               <a:t>Quinto nível</a:t>
             </a:r>
-            <a:endParaRPr lang="pt-BR"/>
           </a:p>
         </p:txBody>
       </p:sp>
@@ -3541,6 +3530,734 @@
 </p:sld>
 </file>
 
+<file path=ppt/slides/slide2.xml><?xml version="1.0" encoding="utf-8"?>
+<p:sld xmlns:a="http://schemas.openxmlformats.org/drawingml/2006/main" xmlns:r="http://schemas.openxmlformats.org/officeDocument/2006/relationships" xmlns:p="http://schemas.openxmlformats.org/presentationml/2006/main">
+  <p:cSld>
+    <p:spTree>
+      <p:nvGrpSpPr>
+        <p:cNvPr id="1" name=""/>
+        <p:cNvGrpSpPr/>
+        <p:nvPr/>
+      </p:nvGrpSpPr>
+      <p:grpSpPr>
+        <a:xfrm>
+          <a:off x="0" y="0"/>
+          <a:ext cx="0" cy="0"/>
+          <a:chOff x="0" y="0"/>
+          <a:chExt cx="0" cy="0"/>
+        </a:xfrm>
+      </p:grpSpPr>
+      <p:grpSp>
+        <p:nvGrpSpPr>
+          <p:cNvPr id="10" name="Agrupar 9"/>
+          <p:cNvGrpSpPr/>
+          <p:nvPr/>
+        </p:nvGrpSpPr>
+        <p:grpSpPr>
+          <a:xfrm>
+            <a:off x="4165536" y="872256"/>
+            <a:ext cx="3420844" cy="4270195"/>
+            <a:chOff x="4165536" y="872256"/>
+            <a:chExt cx="3420844" cy="4270195"/>
+          </a:xfrm>
+        </p:grpSpPr>
+        <p:pic>
+          <p:nvPicPr>
+            <p:cNvPr id="7" name="Imagem 6"/>
+            <p:cNvPicPr>
+              <a:picLocks noChangeAspect="1"/>
+            </p:cNvPicPr>
+            <p:nvPr/>
+          </p:nvPicPr>
+          <p:blipFill>
+            <a:blip r:embed="rId2"/>
+            <a:stretch>
+              <a:fillRect/>
+            </a:stretch>
+          </p:blipFill>
+          <p:spPr>
+            <a:xfrm>
+              <a:off x="4165536" y="3004907"/>
+              <a:ext cx="3420844" cy="2137544"/>
+            </a:xfrm>
+            <a:prstGeom prst="rect">
+              <a:avLst/>
+            </a:prstGeom>
+          </p:spPr>
+        </p:pic>
+        <p:pic>
+          <p:nvPicPr>
+            <p:cNvPr id="5" name="Imagem 4"/>
+            <p:cNvPicPr>
+              <a:picLocks noChangeAspect="1"/>
+            </p:cNvPicPr>
+            <p:nvPr/>
+          </p:nvPicPr>
+          <p:blipFill>
+            <a:blip r:embed="rId3"/>
+            <a:stretch>
+              <a:fillRect/>
+            </a:stretch>
+          </p:blipFill>
+          <p:spPr>
+            <a:xfrm>
+              <a:off x="4166128" y="872256"/>
+              <a:ext cx="3420252" cy="2141040"/>
+            </a:xfrm>
+            <a:prstGeom prst="rect">
+              <a:avLst/>
+            </a:prstGeom>
+          </p:spPr>
+        </p:pic>
+        <p:sp>
+          <p:nvSpPr>
+            <p:cNvPr id="8" name="Retângulo 7"/>
+            <p:cNvSpPr/>
+            <p:nvPr/>
+          </p:nvSpPr>
+          <p:spPr>
+            <a:xfrm>
+              <a:off x="4170133" y="872256"/>
+              <a:ext cx="436338" cy="369332"/>
+            </a:xfrm>
+            <a:prstGeom prst="rect">
+              <a:avLst/>
+            </a:prstGeom>
+            <a:noFill/>
+          </p:spPr>
+          <p:txBody>
+            <a:bodyPr wrap="square" lIns="91440" tIns="45720" rIns="91440" bIns="45720">
+              <a:spAutoFit/>
+            </a:bodyPr>
+            <a:lstStyle/>
+            <a:p>
+              <a:r>
+                <a:rPr lang="pt-BR" b="0" cap="none" spc="0" dirty="0">
+                  <a:ln w="0"/>
+                  <a:solidFill>
+                    <a:schemeClr val="tx1"/>
+                  </a:solidFill>
+                  <a:effectLst>
+                    <a:outerShdw blurRad="38100" dist="19050" dir="2700000" algn="tl" rotWithShape="0">
+                      <a:schemeClr val="dk1">
+                        <a:alpha val="40000"/>
+                      </a:schemeClr>
+                    </a:outerShdw>
+                  </a:effectLst>
+                </a:rPr>
+                <a:t>(a)</a:t>
+              </a:r>
+            </a:p>
+          </p:txBody>
+        </p:sp>
+        <p:sp>
+          <p:nvSpPr>
+            <p:cNvPr id="9" name="Retângulo 8"/>
+            <p:cNvSpPr/>
+            <p:nvPr/>
+          </p:nvSpPr>
+          <p:spPr>
+            <a:xfrm>
+              <a:off x="4165536" y="3004907"/>
+              <a:ext cx="510924" cy="369332"/>
+            </a:xfrm>
+            <a:prstGeom prst="rect">
+              <a:avLst/>
+            </a:prstGeom>
+            <a:noFill/>
+          </p:spPr>
+          <p:txBody>
+            <a:bodyPr wrap="square" lIns="91440" tIns="45720" rIns="91440" bIns="45720">
+              <a:spAutoFit/>
+            </a:bodyPr>
+            <a:lstStyle/>
+            <a:p>
+              <a:r>
+                <a:rPr lang="pt-BR" b="0" cap="none" spc="0" dirty="0">
+                  <a:ln w="0"/>
+                  <a:solidFill>
+                    <a:schemeClr val="tx1"/>
+                  </a:solidFill>
+                  <a:effectLst>
+                    <a:outerShdw blurRad="38100" dist="19050" dir="2700000" algn="tl" rotWithShape="0">
+                      <a:schemeClr val="dk1">
+                        <a:alpha val="40000"/>
+                      </a:schemeClr>
+                    </a:outerShdw>
+                  </a:effectLst>
+                </a:rPr>
+                <a:t>(b)</a:t>
+              </a:r>
+            </a:p>
+          </p:txBody>
+        </p:sp>
+      </p:grpSp>
+      <p:pic>
+        <p:nvPicPr>
+          <p:cNvPr id="12" name="Imagem 11"/>
+          <p:cNvPicPr>
+            <a:picLocks noChangeAspect="1"/>
+          </p:cNvPicPr>
+          <p:nvPr/>
+        </p:nvPicPr>
+        <p:blipFill>
+          <a:blip r:embed="rId4"/>
+          <a:stretch>
+            <a:fillRect/>
+          </a:stretch>
+        </p:blipFill>
+        <p:spPr>
+          <a:xfrm>
+            <a:off x="8070308" y="855125"/>
+            <a:ext cx="3481118" cy="4316342"/>
+          </a:xfrm>
+          <a:prstGeom prst="rect">
+            <a:avLst/>
+          </a:prstGeom>
+        </p:spPr>
+      </p:pic>
+    </p:spTree>
+    <p:extLst>
+      <p:ext uri="{BB962C8B-B14F-4D97-AF65-F5344CB8AC3E}">
+        <p14:creationId xmlns:p14="http://schemas.microsoft.com/office/powerpoint/2010/main" val="3007183404"/>
+      </p:ext>
+    </p:extLst>
+  </p:cSld>
+  <p:clrMapOvr>
+    <a:masterClrMapping/>
+  </p:clrMapOvr>
+</p:sld>
+</file>
+
+<file path=ppt/slides/slide3.xml><?xml version="1.0" encoding="utf-8"?>
+<p:sld xmlns:a="http://schemas.openxmlformats.org/drawingml/2006/main" xmlns:r="http://schemas.openxmlformats.org/officeDocument/2006/relationships" xmlns:p="http://schemas.openxmlformats.org/presentationml/2006/main">
+  <p:cSld>
+    <p:spTree>
+      <p:nvGrpSpPr>
+        <p:cNvPr id="1" name=""/>
+        <p:cNvGrpSpPr/>
+        <p:nvPr/>
+      </p:nvGrpSpPr>
+      <p:grpSpPr>
+        <a:xfrm>
+          <a:off x="0" y="0"/>
+          <a:ext cx="0" cy="0"/>
+          <a:chOff x="0" y="0"/>
+          <a:chExt cx="0" cy="0"/>
+        </a:xfrm>
+      </p:grpSpPr>
+      <p:grpSp>
+        <p:nvGrpSpPr>
+          <p:cNvPr id="12" name="Agrupar 11"/>
+          <p:cNvGrpSpPr/>
+          <p:nvPr/>
+        </p:nvGrpSpPr>
+        <p:grpSpPr>
+          <a:xfrm>
+            <a:off x="1330540" y="1177375"/>
+            <a:ext cx="5980694" cy="3352929"/>
+            <a:chOff x="1330540" y="1177375"/>
+            <a:chExt cx="5980694" cy="3352929"/>
+          </a:xfrm>
+        </p:grpSpPr>
+        <p:pic>
+          <p:nvPicPr>
+            <p:cNvPr id="11" name="Imagem 10"/>
+            <p:cNvPicPr>
+              <a:picLocks noChangeAspect="1"/>
+            </p:cNvPicPr>
+            <p:nvPr/>
+          </p:nvPicPr>
+          <p:blipFill rotWithShape="1">
+            <a:blip r:embed="rId2"/>
+            <a:srcRect b="6245"/>
+            <a:stretch/>
+          </p:blipFill>
+          <p:spPr>
+            <a:xfrm>
+              <a:off x="4330032" y="1177375"/>
+              <a:ext cx="2981202" cy="3184900"/>
+            </a:xfrm>
+            <a:prstGeom prst="rect">
+              <a:avLst/>
+            </a:prstGeom>
+            <a:ln>
+              <a:solidFill>
+                <a:schemeClr val="bg1">
+                  <a:lumMod val="85000"/>
+                </a:schemeClr>
+              </a:solidFill>
+            </a:ln>
+          </p:spPr>
+        </p:pic>
+        <p:pic>
+          <p:nvPicPr>
+            <p:cNvPr id="5" name="Imagem 4"/>
+            <p:cNvPicPr>
+              <a:picLocks noChangeAspect="1"/>
+            </p:cNvPicPr>
+            <p:nvPr/>
+          </p:nvPicPr>
+          <p:blipFill rotWithShape="1">
+            <a:blip r:embed="rId3"/>
+            <a:srcRect b="7938"/>
+            <a:stretch/>
+          </p:blipFill>
+          <p:spPr>
+            <a:xfrm>
+              <a:off x="1330540" y="1177375"/>
+              <a:ext cx="2999492" cy="3109399"/>
+            </a:xfrm>
+            <a:prstGeom prst="rect">
+              <a:avLst/>
+            </a:prstGeom>
+            <a:ln>
+              <a:solidFill>
+                <a:schemeClr val="bg1">
+                  <a:lumMod val="85000"/>
+                </a:schemeClr>
+              </a:solidFill>
+            </a:ln>
+          </p:spPr>
+        </p:pic>
+        <p:sp>
+          <p:nvSpPr>
+            <p:cNvPr id="8" name="Retângulo 7"/>
+            <p:cNvSpPr/>
+            <p:nvPr/>
+          </p:nvSpPr>
+          <p:spPr>
+            <a:xfrm>
+              <a:off x="1330540" y="1177375"/>
+              <a:ext cx="436338" cy="369332"/>
+            </a:xfrm>
+            <a:prstGeom prst="rect">
+              <a:avLst/>
+            </a:prstGeom>
+            <a:noFill/>
+            <a:ln>
+              <a:noFill/>
+            </a:ln>
+          </p:spPr>
+          <p:txBody>
+            <a:bodyPr wrap="square" lIns="91440" tIns="45720" rIns="91440" bIns="45720">
+              <a:spAutoFit/>
+            </a:bodyPr>
+            <a:lstStyle/>
+            <a:p>
+              <a:r>
+                <a:rPr lang="pt-BR" b="0" cap="none" spc="0" dirty="0">
+                  <a:ln w="0"/>
+                  <a:solidFill>
+                    <a:schemeClr val="tx1"/>
+                  </a:solidFill>
+                  <a:effectLst>
+                    <a:outerShdw blurRad="38100" dist="19050" dir="2700000" algn="tl" rotWithShape="0">
+                      <a:schemeClr val="dk1">
+                        <a:alpha val="40000"/>
+                      </a:schemeClr>
+                    </a:outerShdw>
+                  </a:effectLst>
+                </a:rPr>
+                <a:t>(a)</a:t>
+              </a:r>
+            </a:p>
+          </p:txBody>
+        </p:sp>
+        <p:sp>
+          <p:nvSpPr>
+            <p:cNvPr id="9" name="Retângulo 8"/>
+            <p:cNvSpPr/>
+            <p:nvPr/>
+          </p:nvSpPr>
+          <p:spPr>
+            <a:xfrm>
+              <a:off x="4330032" y="1177375"/>
+              <a:ext cx="522004" cy="369332"/>
+            </a:xfrm>
+            <a:prstGeom prst="rect">
+              <a:avLst/>
+            </a:prstGeom>
+            <a:noFill/>
+            <a:ln>
+              <a:noFill/>
+            </a:ln>
+          </p:spPr>
+          <p:txBody>
+            <a:bodyPr wrap="square" lIns="91440" tIns="45720" rIns="91440" bIns="45720">
+              <a:spAutoFit/>
+            </a:bodyPr>
+            <a:lstStyle/>
+            <a:p>
+              <a:r>
+                <a:rPr lang="pt-BR" b="0" cap="none" spc="0" dirty="0">
+                  <a:ln w="0"/>
+                  <a:solidFill>
+                    <a:schemeClr val="tx1"/>
+                  </a:solidFill>
+                  <a:effectLst>
+                    <a:outerShdw blurRad="38100" dist="19050" dir="2700000" algn="tl" rotWithShape="0">
+                      <a:schemeClr val="dk1">
+                        <a:alpha val="40000"/>
+                      </a:schemeClr>
+                    </a:outerShdw>
+                  </a:effectLst>
+                </a:rPr>
+                <a:t>(b)</a:t>
+              </a:r>
+            </a:p>
+          </p:txBody>
+        </p:sp>
+        <p:pic>
+          <p:nvPicPr>
+            <p:cNvPr id="7" name="Imagem 6"/>
+            <p:cNvPicPr>
+              <a:picLocks noChangeAspect="1"/>
+            </p:cNvPicPr>
+            <p:nvPr/>
+          </p:nvPicPr>
+          <p:blipFill rotWithShape="1">
+            <a:blip r:embed="rId4"/>
+            <a:srcRect l="8777" t="10870" r="8481" b="81666"/>
+            <a:stretch/>
+          </p:blipFill>
+          <p:spPr>
+            <a:xfrm>
+              <a:off x="1330540" y="4286774"/>
+              <a:ext cx="5980694" cy="243530"/>
+            </a:xfrm>
+            <a:prstGeom prst="rect">
+              <a:avLst/>
+            </a:prstGeom>
+            <a:ln>
+              <a:solidFill>
+                <a:schemeClr val="bg1">
+                  <a:lumMod val="85000"/>
+                </a:schemeClr>
+              </a:solidFill>
+            </a:ln>
+          </p:spPr>
+        </p:pic>
+      </p:grpSp>
+    </p:spTree>
+    <p:extLst>
+      <p:ext uri="{BB962C8B-B14F-4D97-AF65-F5344CB8AC3E}">
+        <p14:creationId xmlns:p14="http://schemas.microsoft.com/office/powerpoint/2010/main" val="2800289355"/>
+      </p:ext>
+    </p:extLst>
+  </p:cSld>
+  <p:clrMapOvr>
+    <a:masterClrMapping/>
+  </p:clrMapOvr>
+</p:sld>
+</file>
+
+<file path=ppt/slides/slide4.xml><?xml version="1.0" encoding="utf-8"?>
+<p:sld xmlns:a="http://schemas.openxmlformats.org/drawingml/2006/main" xmlns:r="http://schemas.openxmlformats.org/officeDocument/2006/relationships" xmlns:p="http://schemas.openxmlformats.org/presentationml/2006/main">
+  <p:cSld>
+    <p:spTree>
+      <p:nvGrpSpPr>
+        <p:cNvPr id="1" name=""/>
+        <p:cNvGrpSpPr/>
+        <p:nvPr/>
+      </p:nvGrpSpPr>
+      <p:grpSpPr>
+        <a:xfrm>
+          <a:off x="0" y="0"/>
+          <a:ext cx="0" cy="0"/>
+          <a:chOff x="0" y="0"/>
+          <a:chExt cx="0" cy="0"/>
+        </a:xfrm>
+      </p:grpSpPr>
+      <p:pic>
+        <p:nvPicPr>
+          <p:cNvPr id="4" name="Imagem 3"/>
+          <p:cNvPicPr>
+            <a:picLocks noChangeAspect="1"/>
+          </p:cNvPicPr>
+          <p:nvPr/>
+        </p:nvPicPr>
+        <p:blipFill>
+          <a:blip r:embed="rId2"/>
+          <a:stretch>
+            <a:fillRect/>
+          </a:stretch>
+        </p:blipFill>
+        <p:spPr>
+          <a:xfrm>
+            <a:off x="3622952" y="2231937"/>
+            <a:ext cx="4584589" cy="2755631"/>
+          </a:xfrm>
+          <a:prstGeom prst="rect">
+            <a:avLst/>
+          </a:prstGeom>
+        </p:spPr>
+      </p:pic>
+    </p:spTree>
+    <p:extLst>
+      <p:ext uri="{BB962C8B-B14F-4D97-AF65-F5344CB8AC3E}">
+        <p14:creationId xmlns:p14="http://schemas.microsoft.com/office/powerpoint/2010/main" val="3192066889"/>
+      </p:ext>
+    </p:extLst>
+  </p:cSld>
+  <p:clrMapOvr>
+    <a:masterClrMapping/>
+  </p:clrMapOvr>
+</p:sld>
+</file>
+
+<file path=ppt/slides/slide5.xml><?xml version="1.0" encoding="utf-8"?>
+<p:sld xmlns:a="http://schemas.openxmlformats.org/drawingml/2006/main" xmlns:r="http://schemas.openxmlformats.org/officeDocument/2006/relationships" xmlns:p="http://schemas.openxmlformats.org/presentationml/2006/main">
+  <p:cSld>
+    <p:spTree>
+      <p:nvGrpSpPr>
+        <p:cNvPr id="1" name=""/>
+        <p:cNvGrpSpPr/>
+        <p:nvPr/>
+      </p:nvGrpSpPr>
+      <p:grpSpPr>
+        <a:xfrm>
+          <a:off x="0" y="0"/>
+          <a:ext cx="0" cy="0"/>
+          <a:chOff x="0" y="0"/>
+          <a:chExt cx="0" cy="0"/>
+        </a:xfrm>
+      </p:grpSpPr>
+      <p:grpSp>
+        <p:nvGrpSpPr>
+          <p:cNvPr id="8" name="Agrupar 7"/>
+          <p:cNvGrpSpPr/>
+          <p:nvPr/>
+        </p:nvGrpSpPr>
+        <p:grpSpPr>
+          <a:xfrm>
+            <a:off x="1821124" y="2118028"/>
+            <a:ext cx="4261473" cy="2749534"/>
+            <a:chOff x="1821124" y="2118028"/>
+            <a:chExt cx="4261473" cy="2749534"/>
+          </a:xfrm>
+        </p:grpSpPr>
+        <p:pic>
+          <p:nvPicPr>
+            <p:cNvPr id="4" name="Imagem 3"/>
+            <p:cNvPicPr>
+              <a:picLocks noChangeAspect="1"/>
+            </p:cNvPicPr>
+            <p:nvPr/>
+          </p:nvPicPr>
+          <p:blipFill>
+            <a:blip r:embed="rId2"/>
+            <a:stretch>
+              <a:fillRect/>
+            </a:stretch>
+          </p:blipFill>
+          <p:spPr>
+            <a:xfrm>
+              <a:off x="1821124" y="2118028"/>
+              <a:ext cx="2127688" cy="2749534"/>
+            </a:xfrm>
+            <a:prstGeom prst="rect">
+              <a:avLst/>
+            </a:prstGeom>
+          </p:spPr>
+        </p:pic>
+        <p:pic>
+          <p:nvPicPr>
+            <p:cNvPr id="5" name="Imagem 4"/>
+            <p:cNvPicPr>
+              <a:picLocks noChangeAspect="1"/>
+            </p:cNvPicPr>
+            <p:nvPr/>
+          </p:nvPicPr>
+          <p:blipFill>
+            <a:blip r:embed="rId3"/>
+            <a:stretch>
+              <a:fillRect/>
+            </a:stretch>
+          </p:blipFill>
+          <p:spPr>
+            <a:xfrm>
+              <a:off x="3948812" y="2118028"/>
+              <a:ext cx="2133785" cy="2749534"/>
+            </a:xfrm>
+            <a:prstGeom prst="rect">
+              <a:avLst/>
+            </a:prstGeom>
+          </p:spPr>
+        </p:pic>
+        <p:sp>
+          <p:nvSpPr>
+            <p:cNvPr id="6" name="Retângulo 5"/>
+            <p:cNvSpPr/>
+            <p:nvPr/>
+          </p:nvSpPr>
+          <p:spPr>
+            <a:xfrm>
+              <a:off x="1821124" y="2302694"/>
+              <a:ext cx="436338" cy="369332"/>
+            </a:xfrm>
+            <a:prstGeom prst="rect">
+              <a:avLst/>
+            </a:prstGeom>
+            <a:noFill/>
+          </p:spPr>
+          <p:txBody>
+            <a:bodyPr wrap="square" lIns="91440" tIns="45720" rIns="91440" bIns="45720">
+              <a:spAutoFit/>
+            </a:bodyPr>
+            <a:lstStyle/>
+            <a:p>
+              <a:r>
+                <a:rPr lang="pt-BR" b="0" cap="none" spc="0" dirty="0">
+                  <a:ln w="0"/>
+                  <a:solidFill>
+                    <a:schemeClr val="tx1"/>
+                  </a:solidFill>
+                </a:rPr>
+                <a:t>(a)</a:t>
+              </a:r>
+            </a:p>
+          </p:txBody>
+        </p:sp>
+        <p:sp>
+          <p:nvSpPr>
+            <p:cNvPr id="7" name="Retângulo 6"/>
+            <p:cNvSpPr/>
+            <p:nvPr/>
+          </p:nvSpPr>
+          <p:spPr>
+            <a:xfrm>
+              <a:off x="3948811" y="2302694"/>
+              <a:ext cx="527495" cy="369332"/>
+            </a:xfrm>
+            <a:prstGeom prst="rect">
+              <a:avLst/>
+            </a:prstGeom>
+            <a:noFill/>
+          </p:spPr>
+          <p:txBody>
+            <a:bodyPr wrap="square" lIns="91440" tIns="45720" rIns="91440" bIns="45720">
+              <a:spAutoFit/>
+            </a:bodyPr>
+            <a:lstStyle/>
+            <a:p>
+              <a:r>
+                <a:rPr lang="pt-BR" b="0" cap="none" spc="0" dirty="0">
+                  <a:ln w="0"/>
+                  <a:solidFill>
+                    <a:schemeClr val="tx1"/>
+                  </a:solidFill>
+                </a:rPr>
+                <a:t>(b)</a:t>
+              </a:r>
+            </a:p>
+          </p:txBody>
+        </p:sp>
+      </p:grpSp>
+    </p:spTree>
+    <p:extLst>
+      <p:ext uri="{BB962C8B-B14F-4D97-AF65-F5344CB8AC3E}">
+        <p14:creationId xmlns:p14="http://schemas.microsoft.com/office/powerpoint/2010/main" val="4129344858"/>
+      </p:ext>
+    </p:extLst>
+  </p:cSld>
+  <p:clrMapOvr>
+    <a:masterClrMapping/>
+  </p:clrMapOvr>
+</p:sld>
+</file>
+
+<file path=ppt/slides/slide6.xml><?xml version="1.0" encoding="utf-8"?>
+<p:sld xmlns:a="http://schemas.openxmlformats.org/drawingml/2006/main" xmlns:r="http://schemas.openxmlformats.org/officeDocument/2006/relationships" xmlns:p="http://schemas.openxmlformats.org/presentationml/2006/main">
+  <p:cSld>
+    <p:spTree>
+      <p:nvGrpSpPr>
+        <p:cNvPr id="1" name=""/>
+        <p:cNvGrpSpPr/>
+        <p:nvPr/>
+      </p:nvGrpSpPr>
+      <p:grpSpPr>
+        <a:xfrm>
+          <a:off x="0" y="0"/>
+          <a:ext cx="0" cy="0"/>
+          <a:chOff x="0" y="0"/>
+          <a:chExt cx="0" cy="0"/>
+        </a:xfrm>
+      </p:grpSpPr>
+      <p:grpSp>
+        <p:nvGrpSpPr>
+          <p:cNvPr id="7" name="Agrupar 6"/>
+          <p:cNvGrpSpPr/>
+          <p:nvPr/>
+        </p:nvGrpSpPr>
+        <p:grpSpPr>
+          <a:xfrm>
+            <a:off x="2488018" y="925032"/>
+            <a:ext cx="8132190" cy="3519377"/>
+            <a:chOff x="2488018" y="925032"/>
+            <a:chExt cx="8132190" cy="3519377"/>
+          </a:xfrm>
+        </p:grpSpPr>
+        <p:pic>
+          <p:nvPicPr>
+            <p:cNvPr id="5" name="Imagem 4"/>
+            <p:cNvPicPr>
+              <a:picLocks noChangeAspect="1"/>
+            </p:cNvPicPr>
+            <p:nvPr/>
+          </p:nvPicPr>
+          <p:blipFill rotWithShape="1">
+            <a:blip r:embed="rId2"/>
+            <a:srcRect l="9609" t="2661" r="10455" b="20882"/>
+            <a:stretch/>
+          </p:blipFill>
+          <p:spPr>
+            <a:xfrm>
+              <a:off x="2488018" y="925032"/>
+              <a:ext cx="6728191" cy="3519377"/>
+            </a:xfrm>
+            <a:prstGeom prst="rect">
+              <a:avLst/>
+            </a:prstGeom>
+          </p:spPr>
+        </p:pic>
+        <p:pic>
+          <p:nvPicPr>
+            <p:cNvPr id="6" name="Imagem 5"/>
+            <p:cNvPicPr>
+              <a:picLocks noChangeAspect="1"/>
+            </p:cNvPicPr>
+            <p:nvPr/>
+          </p:nvPicPr>
+          <p:blipFill rotWithShape="1">
+            <a:blip r:embed="rId3"/>
+            <a:srcRect l="64821" t="30899" r="13038" b="3326"/>
+            <a:stretch/>
+          </p:blipFill>
+          <p:spPr>
+            <a:xfrm>
+              <a:off x="8739962" y="1158947"/>
+              <a:ext cx="1880246" cy="3051545"/>
+            </a:xfrm>
+            <a:prstGeom prst="rect">
+              <a:avLst/>
+            </a:prstGeom>
+          </p:spPr>
+        </p:pic>
+      </p:grpSp>
+    </p:spTree>
+    <p:extLst>
+      <p:ext uri="{BB962C8B-B14F-4D97-AF65-F5344CB8AC3E}">
+        <p14:creationId xmlns:p14="http://schemas.microsoft.com/office/powerpoint/2010/main" val="1054243510"/>
+      </p:ext>
+    </p:extLst>
+  </p:cSld>
+  <p:clrMapOvr>
+    <a:masterClrMapping/>
+  </p:clrMapOvr>
+</p:sld>
+</file>
+
 <file path=ppt/theme/theme1.xml><?xml version="1.0" encoding="utf-8"?>
 <a:theme xmlns:a="http://schemas.openxmlformats.org/drawingml/2006/main" name="Tema do Office">
   <a:themeElements>
